--- a/KM/ppt/2020/2019_c++_full.pptx
+++ b/KM/ppt/2020/2019_c++_full.pptx
@@ -206,7 +206,7 @@
             <a:fld id="{5F920F0F-0E56-2B45-B1BF-268524318682}" type="datetimeFigureOut">
               <a:rPr kumimoji="1" lang="zh-CN" altLang="en-US" smtClean="0"/>
               <a:pPr/>
-              <a:t>2020/4/28</a:t>
+              <a:t>2020/5/9</a:t>
             </a:fld>
             <a:endParaRPr kumimoji="1" lang="zh-CN" altLang="en-US"/>
           </a:p>
@@ -282,7 +282,7 @@
     </p:spTree>
     <p:extLst>
       <p:ext uri="{BB962C8B-B14F-4D97-AF65-F5344CB8AC3E}">
-        <p14:creationId xmlns:p14="http://schemas.microsoft.com/office/powerpoint/2010/main" xmlns="" val="3407571201"/>
+        <p14:creationId xmlns="" xmlns:p14="http://schemas.microsoft.com/office/powerpoint/2010/main" val="3407571201"/>
       </p:ext>
     </p:extLst>
   </p:cSld>
@@ -374,7 +374,7 @@
             <a:fld id="{FB86081A-1E41-D34E-AC33-11FD77CCCD8D}" type="datetimeFigureOut">
               <a:rPr kumimoji="1" lang="zh-CN" altLang="en-US" smtClean="0"/>
               <a:pPr/>
-              <a:t>2020/4/28</a:t>
+              <a:t>2020/5/9</a:t>
             </a:fld>
             <a:endParaRPr kumimoji="1" lang="zh-CN" altLang="en-US"/>
           </a:p>
@@ -543,7 +543,7 @@
     </p:spTree>
     <p:extLst>
       <p:ext uri="{BB962C8B-B14F-4D97-AF65-F5344CB8AC3E}">
-        <p14:creationId xmlns:p14="http://schemas.microsoft.com/office/powerpoint/2010/main" xmlns="" val="2106316760"/>
+        <p14:creationId xmlns="" xmlns:p14="http://schemas.microsoft.com/office/powerpoint/2010/main" val="2106316760"/>
       </p:ext>
     </p:extLst>
   </p:cSld>
@@ -931,6 +931,18 @@
               <a:rPr lang="en-US" altLang="zh-CN" dirty="0" err="1" smtClean="0"/>
               <a:t>pdf</a:t>
             </a:r>
+            <a:endParaRPr lang="en-US" altLang="zh-CN" dirty="0" smtClean="0"/>
+          </a:p>
+          <a:p>
+            <a:endParaRPr lang="en-US" altLang="zh-CN" dirty="0" smtClean="0"/>
+          </a:p>
+          <a:p>
+            <a:r>
+              <a:rPr lang="en-US" smtClean="0">
+                <a:hlinkClick r:id="rId3"/>
+              </a:rPr>
+              <a:t>https://github.com/huihut/interview</a:t>
+            </a:r>
             <a:endParaRPr lang="zh-CN" altLang="en-US" dirty="0"/>
           </a:p>
         </p:txBody>
@@ -996,7 +1008,7 @@
           <a:blip r:embed="rId2">
             <a:extLst>
               <a:ext uri="{28A0092B-C50C-407E-A947-70E740481C1C}">
-                <a14:useLocalDpi xmlns:a14="http://schemas.microsoft.com/office/drawing/2010/main" xmlns="" val="0"/>
+                <a14:useLocalDpi xmlns="" xmlns:a14="http://schemas.microsoft.com/office/drawing/2010/main" val="0"/>
               </a:ext>
             </a:extLst>
           </a:blip>
@@ -1285,7 +1297,7 @@
           <a:blip r:embed="rId3">
             <a:extLst>
               <a:ext uri="{28A0092B-C50C-407E-A947-70E740481C1C}">
-                <a14:useLocalDpi xmlns:a14="http://schemas.microsoft.com/office/drawing/2010/main" xmlns="" val="0"/>
+                <a14:useLocalDpi xmlns="" xmlns:a14="http://schemas.microsoft.com/office/drawing/2010/main" val="0"/>
               </a:ext>
             </a:extLst>
           </a:blip>
@@ -1581,7 +1593,7 @@
           <a:blip r:embed="rId2">
             <a:extLst>
               <a:ext uri="{28A0092B-C50C-407E-A947-70E740481C1C}">
-                <a14:useLocalDpi xmlns:a14="http://schemas.microsoft.com/office/drawing/2010/main" xmlns="" val="0"/>
+                <a14:useLocalDpi xmlns="" xmlns:a14="http://schemas.microsoft.com/office/drawing/2010/main" val="0"/>
               </a:ext>
             </a:extLst>
           </a:blip>
@@ -1611,7 +1623,7 @@
           <a:blip r:embed="rId3">
             <a:extLst>
               <a:ext uri="{28A0092B-C50C-407E-A947-70E740481C1C}">
-                <a14:useLocalDpi xmlns:a14="http://schemas.microsoft.com/office/drawing/2010/main" xmlns="" val="0"/>
+                <a14:useLocalDpi xmlns="" xmlns:a14="http://schemas.microsoft.com/office/drawing/2010/main" val="0"/>
               </a:ext>
             </a:extLst>
           </a:blip>
@@ -1883,7 +1895,7 @@
           <a:blip r:embed="rId2">
             <a:extLst>
               <a:ext uri="{28A0092B-C50C-407E-A947-70E740481C1C}">
-                <a14:useLocalDpi xmlns:a14="http://schemas.microsoft.com/office/drawing/2010/main" xmlns="" val="0"/>
+                <a14:useLocalDpi xmlns="" xmlns:a14="http://schemas.microsoft.com/office/drawing/2010/main" val="0"/>
               </a:ext>
             </a:extLst>
           </a:blip>
@@ -1913,7 +1925,7 @@
           <a:blip r:embed="rId3">
             <a:extLst>
               <a:ext uri="{28A0092B-C50C-407E-A947-70E740481C1C}">
-                <a14:useLocalDpi xmlns:a14="http://schemas.microsoft.com/office/drawing/2010/main" xmlns="" val="0"/>
+                <a14:useLocalDpi xmlns="" xmlns:a14="http://schemas.microsoft.com/office/drawing/2010/main" val="0"/>
               </a:ext>
             </a:extLst>
           </a:blip>
@@ -2249,7 +2261,7 @@
           <a:blip r:embed="rId2">
             <a:extLst>
               <a:ext uri="{28A0092B-C50C-407E-A947-70E740481C1C}">
-                <a14:useLocalDpi xmlns:a14="http://schemas.microsoft.com/office/drawing/2010/main" xmlns="" val="0"/>
+                <a14:useLocalDpi xmlns="" xmlns:a14="http://schemas.microsoft.com/office/drawing/2010/main" val="0"/>
               </a:ext>
             </a:extLst>
           </a:blip>
@@ -2279,7 +2291,7 @@
           <a:blip r:embed="rId3">
             <a:extLst>
               <a:ext uri="{28A0092B-C50C-407E-A947-70E740481C1C}">
-                <a14:useLocalDpi xmlns:a14="http://schemas.microsoft.com/office/drawing/2010/main" xmlns="" val="0"/>
+                <a14:useLocalDpi xmlns="" xmlns:a14="http://schemas.microsoft.com/office/drawing/2010/main" val="0"/>
               </a:ext>
             </a:extLst>
           </a:blip>
@@ -2594,7 +2606,7 @@
           <a:blip r:embed="rId2">
             <a:extLst>
               <a:ext uri="{28A0092B-C50C-407E-A947-70E740481C1C}">
-                <a14:useLocalDpi xmlns:a14="http://schemas.microsoft.com/office/drawing/2010/main" xmlns="" val="0"/>
+                <a14:useLocalDpi xmlns="" xmlns:a14="http://schemas.microsoft.com/office/drawing/2010/main" val="0"/>
               </a:ext>
             </a:extLst>
           </a:blip>
@@ -2624,7 +2636,7 @@
           <a:blip r:embed="rId3">
             <a:extLst>
               <a:ext uri="{28A0092B-C50C-407E-A947-70E740481C1C}">
-                <a14:useLocalDpi xmlns:a14="http://schemas.microsoft.com/office/drawing/2010/main" xmlns="" val="0"/>
+                <a14:useLocalDpi xmlns="" xmlns:a14="http://schemas.microsoft.com/office/drawing/2010/main" val="0"/>
               </a:ext>
             </a:extLst>
           </a:blip>
@@ -2816,7 +2828,7 @@
             <a:fld id="{7BC3C6E0-25AE-8A44-A617-CADD813DE539}" type="datetime1">
               <a:rPr lang="zh-CN" altLang="en-US" smtClean="0"/>
               <a:pPr/>
-              <a:t>2020/4/28</a:t>
+              <a:t>2020/5/9</a:t>
             </a:fld>
             <a:endParaRPr lang="zh-CN" altLang="en-US" dirty="0"/>
           </a:p>
@@ -3040,7 +3052,7 @@
           <a:blip r:embed="rId2">
             <a:extLst>
               <a:ext uri="{28A0092B-C50C-407E-A947-70E740481C1C}">
-                <a14:useLocalDpi xmlns:a14="http://schemas.microsoft.com/office/drawing/2010/main" xmlns="" val="0"/>
+                <a14:useLocalDpi xmlns="" xmlns:a14="http://schemas.microsoft.com/office/drawing/2010/main" val="0"/>
               </a:ext>
             </a:extLst>
           </a:blip>
@@ -3226,7 +3238,7 @@
             <a:fld id="{B8DE94C4-0AC0-E74D-83DE-D1778C094258}" type="datetime1">
               <a:rPr lang="zh-CN" altLang="en-US" smtClean="0"/>
               <a:pPr/>
-              <a:t>2020/4/28</a:t>
+              <a:t>2020/5/9</a:t>
             </a:fld>
             <a:endParaRPr lang="zh-CN" altLang="en-US" dirty="0"/>
           </a:p>
@@ -5234,7 +5246,7 @@
   <a:extraClrSchemeLst/>
   <a:extLst>
     <a:ext uri="{05A4C25C-085E-4340-85A3-A5531E510DB2}">
-      <thm15:themeFamily xmlns="" xmlns:thm15="http://schemas.microsoft.com/office/thememl/2012/main" name="Office Theme" id="{62F939B6-93AF-4DB8-9C6B-D6C7DFDC589F}" vid="{4A3C46E8-61CC-4603-A589-7422A47A8E4A}"/>
+      <thm15:themeFamily xmlns:thm15="http://schemas.microsoft.com/office/thememl/2012/main" xmlns="" name="Office Theme" id="{62F939B6-93AF-4DB8-9C6B-D6C7DFDC589F}" vid="{4A3C46E8-61CC-4603-A589-7422A47A8E4A}"/>
     </a:ext>
   </a:extLst>
 </a:theme>
@@ -5495,7 +5507,7 @@
   <a:extraClrSchemeLst/>
   <a:extLst>
     <a:ext uri="{05A4C25C-085E-4340-85A3-A5531E510DB2}">
-      <thm15:themeFamily xmlns="" xmlns:thm15="http://schemas.microsoft.com/office/thememl/2012/main" name="Office Theme" id="{62F939B6-93AF-4DB8-9C6B-D6C7DFDC589F}" vid="{4A3C46E8-61CC-4603-A589-7422A47A8E4A}"/>
+      <thm15:themeFamily xmlns:thm15="http://schemas.microsoft.com/office/thememl/2012/main" xmlns="" name="Office Theme" id="{62F939B6-93AF-4DB8-9C6B-D6C7DFDC589F}" vid="{4A3C46E8-61CC-4603-A589-7422A47A8E4A}"/>
     </a:ext>
   </a:extLst>
 </a:theme>

--- a/KM/ppt/2020/2019_c++_full.pptx
+++ b/KM/ppt/2020/2019_c++_full.pptx
@@ -5,10 +5,10 @@
     <p:sldMasterId id="2147483648" r:id="rId1"/>
   </p:sldMasterIdLst>
   <p:notesMasterIdLst>
-    <p:notesMasterId r:id="rId13"/>
+    <p:notesMasterId r:id="rId16"/>
   </p:notesMasterIdLst>
   <p:handoutMasterIdLst>
-    <p:handoutMasterId r:id="rId14"/>
+    <p:handoutMasterId r:id="rId17"/>
   </p:handoutMasterIdLst>
   <p:sldIdLst>
     <p:sldId id="273" r:id="rId2"/>
@@ -21,7 +21,10 @@
     <p:sldId id="283" r:id="rId9"/>
     <p:sldId id="284" r:id="rId10"/>
     <p:sldId id="285" r:id="rId11"/>
-    <p:sldId id="277" r:id="rId12"/>
+    <p:sldId id="286" r:id="rId12"/>
+    <p:sldId id="287" r:id="rId13"/>
+    <p:sldId id="288" r:id="rId14"/>
+    <p:sldId id="277" r:id="rId15"/>
   </p:sldIdLst>
   <p:sldSz cx="9144000" cy="5143500" type="screen16x9"/>
   <p:notesSz cx="6858000" cy="9144000"/>
@@ -206,7 +209,7 @@
             <a:fld id="{5F920F0F-0E56-2B45-B1BF-268524318682}" type="datetimeFigureOut">
               <a:rPr kumimoji="1" lang="zh-CN" altLang="en-US" smtClean="0"/>
               <a:pPr/>
-              <a:t>2020/5/9</a:t>
+              <a:t>2020/5/22</a:t>
             </a:fld>
             <a:endParaRPr kumimoji="1" lang="zh-CN" altLang="en-US"/>
           </a:p>
@@ -282,7 +285,7 @@
     </p:spTree>
     <p:extLst>
       <p:ext uri="{BB962C8B-B14F-4D97-AF65-F5344CB8AC3E}">
-        <p14:creationId xmlns="" xmlns:p14="http://schemas.microsoft.com/office/powerpoint/2010/main" val="3407571201"/>
+        <p14:creationId xmlns:p14="http://schemas.microsoft.com/office/powerpoint/2010/main" xmlns="" val="3407571201"/>
       </p:ext>
     </p:extLst>
   </p:cSld>
@@ -374,7 +377,7 @@
             <a:fld id="{FB86081A-1E41-D34E-AC33-11FD77CCCD8D}" type="datetimeFigureOut">
               <a:rPr kumimoji="1" lang="zh-CN" altLang="en-US" smtClean="0"/>
               <a:pPr/>
-              <a:t>2020/5/9</a:t>
+              <a:t>2020/5/22</a:t>
             </a:fld>
             <a:endParaRPr kumimoji="1" lang="zh-CN" altLang="en-US"/>
           </a:p>
@@ -543,7 +546,7 @@
     </p:spTree>
     <p:extLst>
       <p:ext uri="{BB962C8B-B14F-4D97-AF65-F5344CB8AC3E}">
-        <p14:creationId xmlns="" xmlns:p14="http://schemas.microsoft.com/office/powerpoint/2010/main" val="2106316760"/>
+        <p14:creationId xmlns:p14="http://schemas.microsoft.com/office/powerpoint/2010/main" xmlns="" val="2106316760"/>
       </p:ext>
     </p:extLst>
   </p:cSld>
@@ -979,6 +982,94 @@
 </p:notes>
 </file>
 
+<file path=ppt/notesSlides/notesSlide4.xml><?xml version="1.0" encoding="utf-8"?>
+<p:notes xmlns:a="http://schemas.openxmlformats.org/drawingml/2006/main" xmlns:r="http://schemas.openxmlformats.org/officeDocument/2006/relationships" xmlns:p="http://schemas.openxmlformats.org/presentationml/2006/main">
+  <p:cSld>
+    <p:spTree>
+      <p:nvGrpSpPr>
+        <p:cNvPr id="1" name=""/>
+        <p:cNvGrpSpPr/>
+        <p:nvPr/>
+      </p:nvGrpSpPr>
+      <p:grpSpPr>
+        <a:xfrm>
+          <a:off x="0" y="0"/>
+          <a:ext cx="0" cy="0"/>
+          <a:chOff x="0" y="0"/>
+          <a:chExt cx="0" cy="0"/>
+        </a:xfrm>
+      </p:grpSpPr>
+      <p:sp>
+        <p:nvSpPr>
+          <p:cNvPr id="2" name="幻灯片图像占位符 1"/>
+          <p:cNvSpPr>
+            <a:spLocks noGrp="1" noRot="1" noChangeAspect="1"/>
+          </p:cNvSpPr>
+          <p:nvPr>
+            <p:ph type="sldImg"/>
+          </p:nvPr>
+        </p:nvSpPr>
+        <p:spPr/>
+      </p:sp>
+      <p:sp>
+        <p:nvSpPr>
+          <p:cNvPr id="3" name="备注占位符 2"/>
+          <p:cNvSpPr>
+            <a:spLocks noGrp="1"/>
+          </p:cNvSpPr>
+          <p:nvPr>
+            <p:ph type="body" idx="1"/>
+          </p:nvPr>
+        </p:nvSpPr>
+        <p:spPr/>
+        <p:txBody>
+          <a:bodyPr>
+            <a:normAutofit/>
+          </a:bodyPr>
+          <a:lstStyle/>
+          <a:p>
+            <a:r>
+              <a:rPr lang="en-US" dirty="0" smtClean="0">
+                <a:hlinkClick r:id="rId3"/>
+              </a:rPr>
+              <a:t>https://www.jianshu.com/p/26967eb6d8f9</a:t>
+            </a:r>
+            <a:endParaRPr lang="zh-CN" altLang="en-US" dirty="0"/>
+          </a:p>
+        </p:txBody>
+      </p:sp>
+      <p:sp>
+        <p:nvSpPr>
+          <p:cNvPr id="4" name="灯片编号占位符 3"/>
+          <p:cNvSpPr>
+            <a:spLocks noGrp="1"/>
+          </p:cNvSpPr>
+          <p:nvPr>
+            <p:ph type="sldNum" sz="quarter" idx="10"/>
+          </p:nvPr>
+        </p:nvSpPr>
+        <p:spPr/>
+        <p:txBody>
+          <a:bodyPr/>
+          <a:lstStyle/>
+          <a:p>
+            <a:fld id="{8AF453D5-9B32-8F40-BF12-CF5772967439}" type="slidenum">
+              <a:rPr kumimoji="1" lang="zh-CN" altLang="en-US" smtClean="0"/>
+              <a:pPr/>
+              <a:t>10</a:t>
+            </a:fld>
+            <a:endParaRPr kumimoji="1" lang="zh-CN" altLang="en-US"/>
+          </a:p>
+        </p:txBody>
+      </p:sp>
+    </p:spTree>
+  </p:cSld>
+  <p:clrMapOvr>
+    <a:masterClrMapping/>
+  </p:clrMapOvr>
+</p:notes>
+</file>
+
 <file path=ppt/slideLayouts/slideLayout1.xml><?xml version="1.0" encoding="utf-8"?>
 <p:sldLayout xmlns:a="http://schemas.openxmlformats.org/drawingml/2006/main" xmlns:r="http://schemas.openxmlformats.org/officeDocument/2006/relationships" xmlns:p="http://schemas.openxmlformats.org/presentationml/2006/main" preserve="1" userDrawn="1">
   <p:cSld name="标题幻灯片">
@@ -1008,7 +1099,7 @@
           <a:blip r:embed="rId2">
             <a:extLst>
               <a:ext uri="{28A0092B-C50C-407E-A947-70E740481C1C}">
-                <a14:useLocalDpi xmlns="" xmlns:a14="http://schemas.microsoft.com/office/drawing/2010/main" val="0"/>
+                <a14:useLocalDpi xmlns:a14="http://schemas.microsoft.com/office/drawing/2010/main" xmlns="" val="0"/>
               </a:ext>
             </a:extLst>
           </a:blip>
@@ -1297,7 +1388,7 @@
           <a:blip r:embed="rId3">
             <a:extLst>
               <a:ext uri="{28A0092B-C50C-407E-A947-70E740481C1C}">
-                <a14:useLocalDpi xmlns="" xmlns:a14="http://schemas.microsoft.com/office/drawing/2010/main" val="0"/>
+                <a14:useLocalDpi xmlns:a14="http://schemas.microsoft.com/office/drawing/2010/main" xmlns="" val="0"/>
               </a:ext>
             </a:extLst>
           </a:blip>
@@ -1593,7 +1684,7 @@
           <a:blip r:embed="rId2">
             <a:extLst>
               <a:ext uri="{28A0092B-C50C-407E-A947-70E740481C1C}">
-                <a14:useLocalDpi xmlns="" xmlns:a14="http://schemas.microsoft.com/office/drawing/2010/main" val="0"/>
+                <a14:useLocalDpi xmlns:a14="http://schemas.microsoft.com/office/drawing/2010/main" xmlns="" val="0"/>
               </a:ext>
             </a:extLst>
           </a:blip>
@@ -1623,7 +1714,7 @@
           <a:blip r:embed="rId3">
             <a:extLst>
               <a:ext uri="{28A0092B-C50C-407E-A947-70E740481C1C}">
-                <a14:useLocalDpi xmlns="" xmlns:a14="http://schemas.microsoft.com/office/drawing/2010/main" val="0"/>
+                <a14:useLocalDpi xmlns:a14="http://schemas.microsoft.com/office/drawing/2010/main" xmlns="" val="0"/>
               </a:ext>
             </a:extLst>
           </a:blip>
@@ -1895,7 +1986,7 @@
           <a:blip r:embed="rId2">
             <a:extLst>
               <a:ext uri="{28A0092B-C50C-407E-A947-70E740481C1C}">
-                <a14:useLocalDpi xmlns="" xmlns:a14="http://schemas.microsoft.com/office/drawing/2010/main" val="0"/>
+                <a14:useLocalDpi xmlns:a14="http://schemas.microsoft.com/office/drawing/2010/main" xmlns="" val="0"/>
               </a:ext>
             </a:extLst>
           </a:blip>
@@ -1925,7 +2016,7 @@
           <a:blip r:embed="rId3">
             <a:extLst>
               <a:ext uri="{28A0092B-C50C-407E-A947-70E740481C1C}">
-                <a14:useLocalDpi xmlns="" xmlns:a14="http://schemas.microsoft.com/office/drawing/2010/main" val="0"/>
+                <a14:useLocalDpi xmlns:a14="http://schemas.microsoft.com/office/drawing/2010/main" xmlns="" val="0"/>
               </a:ext>
             </a:extLst>
           </a:blip>
@@ -2261,7 +2352,7 @@
           <a:blip r:embed="rId2">
             <a:extLst>
               <a:ext uri="{28A0092B-C50C-407E-A947-70E740481C1C}">
-                <a14:useLocalDpi xmlns="" xmlns:a14="http://schemas.microsoft.com/office/drawing/2010/main" val="0"/>
+                <a14:useLocalDpi xmlns:a14="http://schemas.microsoft.com/office/drawing/2010/main" xmlns="" val="0"/>
               </a:ext>
             </a:extLst>
           </a:blip>
@@ -2291,7 +2382,7 @@
           <a:blip r:embed="rId3">
             <a:extLst>
               <a:ext uri="{28A0092B-C50C-407E-A947-70E740481C1C}">
-                <a14:useLocalDpi xmlns="" xmlns:a14="http://schemas.microsoft.com/office/drawing/2010/main" val="0"/>
+                <a14:useLocalDpi xmlns:a14="http://schemas.microsoft.com/office/drawing/2010/main" xmlns="" val="0"/>
               </a:ext>
             </a:extLst>
           </a:blip>
@@ -2606,7 +2697,7 @@
           <a:blip r:embed="rId2">
             <a:extLst>
               <a:ext uri="{28A0092B-C50C-407E-A947-70E740481C1C}">
-                <a14:useLocalDpi xmlns="" xmlns:a14="http://schemas.microsoft.com/office/drawing/2010/main" val="0"/>
+                <a14:useLocalDpi xmlns:a14="http://schemas.microsoft.com/office/drawing/2010/main" xmlns="" val="0"/>
               </a:ext>
             </a:extLst>
           </a:blip>
@@ -2636,7 +2727,7 @@
           <a:blip r:embed="rId3">
             <a:extLst>
               <a:ext uri="{28A0092B-C50C-407E-A947-70E740481C1C}">
-                <a14:useLocalDpi xmlns="" xmlns:a14="http://schemas.microsoft.com/office/drawing/2010/main" val="0"/>
+                <a14:useLocalDpi xmlns:a14="http://schemas.microsoft.com/office/drawing/2010/main" xmlns="" val="0"/>
               </a:ext>
             </a:extLst>
           </a:blip>
@@ -2828,7 +2919,7 @@
             <a:fld id="{7BC3C6E0-25AE-8A44-A617-CADD813DE539}" type="datetime1">
               <a:rPr lang="zh-CN" altLang="en-US" smtClean="0"/>
               <a:pPr/>
-              <a:t>2020/5/9</a:t>
+              <a:t>2020/5/22</a:t>
             </a:fld>
             <a:endParaRPr lang="zh-CN" altLang="en-US" dirty="0"/>
           </a:p>
@@ -3052,7 +3143,7 @@
           <a:blip r:embed="rId2">
             <a:extLst>
               <a:ext uri="{28A0092B-C50C-407E-A947-70E740481C1C}">
-                <a14:useLocalDpi xmlns="" xmlns:a14="http://schemas.microsoft.com/office/drawing/2010/main" val="0"/>
+                <a14:useLocalDpi xmlns:a14="http://schemas.microsoft.com/office/drawing/2010/main" xmlns="" val="0"/>
               </a:ext>
             </a:extLst>
           </a:blip>
@@ -3238,7 +3329,7 @@
             <a:fld id="{B8DE94C4-0AC0-E74D-83DE-D1778C094258}" type="datetime1">
               <a:rPr lang="zh-CN" altLang="en-US" smtClean="0"/>
               <a:pPr/>
-              <a:t>2020/5/9</a:t>
+              <a:t>2020/5/22</a:t>
             </a:fld>
             <a:endParaRPr lang="zh-CN" altLang="en-US" dirty="0"/>
           </a:p>
@@ -3817,6 +3908,385 @@
 </file>
 
 <file path=ppt/slides/slide11.xml><?xml version="1.0" encoding="utf-8"?>
+<p:sld xmlns:a="http://schemas.openxmlformats.org/drawingml/2006/main" xmlns:r="http://schemas.openxmlformats.org/officeDocument/2006/relationships" xmlns:p="http://schemas.openxmlformats.org/presentationml/2006/main">
+  <p:cSld>
+    <p:spTree>
+      <p:nvGrpSpPr>
+        <p:cNvPr id="1" name=""/>
+        <p:cNvGrpSpPr/>
+        <p:nvPr/>
+      </p:nvGrpSpPr>
+      <p:grpSpPr>
+        <a:xfrm>
+          <a:off x="0" y="0"/>
+          <a:ext cx="0" cy="0"/>
+          <a:chOff x="0" y="0"/>
+          <a:chExt cx="0" cy="0"/>
+        </a:xfrm>
+      </p:grpSpPr>
+      <p:sp>
+        <p:nvSpPr>
+          <p:cNvPr id="2" name="内容占位符 1"/>
+          <p:cNvSpPr>
+            <a:spLocks noGrp="1"/>
+          </p:cNvSpPr>
+          <p:nvPr>
+            <p:ph idx="1"/>
+          </p:nvPr>
+        </p:nvSpPr>
+        <p:spPr>
+          <a:xfrm>
+            <a:off x="416744" y="1285866"/>
+            <a:ext cx="8229600" cy="2942068"/>
+          </a:xfrm>
+        </p:spPr>
+        <p:txBody>
+          <a:bodyPr/>
+          <a:lstStyle/>
+          <a:p>
+            <a:r>
+              <a:rPr lang="en-US" dirty="0"/>
+              <a:t>Item 23: Understand std::move and std::forward. </a:t>
+            </a:r>
+          </a:p>
+          <a:p>
+            <a:pPr>
+              <a:buNone/>
+            </a:pPr>
+            <a:r>
+              <a:rPr lang="en-US" dirty="0" smtClean="0"/>
+              <a:t>       std</a:t>
+            </a:r>
+            <a:r>
+              <a:rPr lang="en-US" dirty="0"/>
+              <a:t>::move doesn’t move anything. std::forward doesn’t forward </a:t>
+            </a:r>
+            <a:r>
+              <a:rPr lang="en-US" dirty="0" smtClean="0"/>
+              <a:t>anything</a:t>
+            </a:r>
+          </a:p>
+          <a:p>
+            <a:pPr>
+              <a:buNone/>
+            </a:pPr>
+            <a:endParaRPr lang="en-US" dirty="0"/>
+          </a:p>
+          <a:p>
+            <a:r>
+              <a:rPr lang="en-US" dirty="0" smtClean="0"/>
+              <a:t>Item </a:t>
+            </a:r>
+            <a:r>
+              <a:rPr lang="en-US" dirty="0"/>
+              <a:t>25: Use std::move on </a:t>
+            </a:r>
+            <a:r>
+              <a:rPr lang="en-US" dirty="0" err="1"/>
+              <a:t>rvalue</a:t>
+            </a:r>
+            <a:r>
+              <a:rPr lang="en-US" dirty="0"/>
+              <a:t> references, std::forward on universal references. </a:t>
+            </a:r>
+            <a:endParaRPr lang="en-US" dirty="0" smtClean="0"/>
+          </a:p>
+          <a:p>
+            <a:r>
+              <a:rPr lang="en-US" dirty="0"/>
+              <a:t>Item 24:Distinguish universal references from </a:t>
+            </a:r>
+            <a:r>
+              <a:rPr lang="en-US" dirty="0" err="1"/>
+              <a:t>rvalue</a:t>
+            </a:r>
+            <a:r>
+              <a:rPr lang="en-US" dirty="0"/>
+              <a:t> references</a:t>
+            </a:r>
+            <a:r>
+              <a:rPr lang="en-US" dirty="0" smtClean="0"/>
+              <a:t>.</a:t>
+            </a:r>
+          </a:p>
+          <a:p>
+            <a:endParaRPr lang="en-US" dirty="0"/>
+          </a:p>
+          <a:p>
+            <a:pPr>
+              <a:buNone/>
+            </a:pPr>
+            <a:r>
+              <a:rPr lang="en-US" dirty="0" err="1" smtClean="0"/>
+              <a:t>unique_ptr</a:t>
+            </a:r>
+            <a:r>
+              <a:rPr lang="en-US" dirty="0" smtClean="0"/>
+              <a:t> and move</a:t>
+            </a:r>
+            <a:endParaRPr dirty="0"/>
+          </a:p>
+          <a:p>
+            <a:endParaRPr lang="en-US" dirty="0" smtClean="0"/>
+          </a:p>
+          <a:p>
+            <a:pPr>
+              <a:buNone/>
+            </a:pPr>
+            <a:endParaRPr lang="zh-CN" altLang="en-US" dirty="0"/>
+          </a:p>
+        </p:txBody>
+      </p:sp>
+      <p:sp>
+        <p:nvSpPr>
+          <p:cNvPr id="3" name="标题 2"/>
+          <p:cNvSpPr>
+            <a:spLocks noGrp="1"/>
+          </p:cNvSpPr>
+          <p:nvPr>
+            <p:ph type="title"/>
+          </p:nvPr>
+        </p:nvSpPr>
+        <p:spPr>
+          <a:xfrm>
+            <a:off x="417600" y="230400"/>
+            <a:ext cx="8654994" cy="841152"/>
+          </a:xfrm>
+        </p:spPr>
+        <p:style>
+          <a:lnRef idx="2">
+            <a:schemeClr val="dk1">
+              <a:shade val="50000"/>
+            </a:schemeClr>
+          </a:lnRef>
+          <a:fillRef idx="1">
+            <a:schemeClr val="dk1"/>
+          </a:fillRef>
+          <a:effectRef idx="0">
+            <a:schemeClr val="dk1"/>
+          </a:effectRef>
+          <a:fontRef idx="minor">
+            <a:schemeClr val="lt1"/>
+          </a:fontRef>
+        </p:style>
+        <p:txBody>
+          <a:bodyPr>
+            <a:normAutofit/>
+          </a:bodyPr>
+          <a:lstStyle/>
+          <a:p>
+            <a:r>
+              <a:rPr lang="en-US" altLang="zh-CN" sz="2000" dirty="0" smtClean="0"/>
+              <a:t>            </a:t>
+            </a:r>
+            <a:r>
+              <a:rPr lang="en-US" sz="2000" dirty="0" smtClean="0"/>
+              <a:t>Rvalue References, Move Semantics,</a:t>
+            </a:r>
+            <a:endParaRPr lang="zh-CN" altLang="en-US" sz="2000" dirty="0"/>
+          </a:p>
+        </p:txBody>
+      </p:sp>
+    </p:spTree>
+  </p:cSld>
+  <p:clrMapOvr>
+    <a:masterClrMapping/>
+  </p:clrMapOvr>
+</p:sld>
+</file>
+
+<file path=ppt/slides/slide12.xml><?xml version="1.0" encoding="utf-8"?>
+<p:sld xmlns:a="http://schemas.openxmlformats.org/drawingml/2006/main" xmlns:r="http://schemas.openxmlformats.org/officeDocument/2006/relationships" xmlns:p="http://schemas.openxmlformats.org/presentationml/2006/main">
+  <p:cSld>
+    <p:spTree>
+      <p:nvGrpSpPr>
+        <p:cNvPr id="1" name=""/>
+        <p:cNvGrpSpPr/>
+        <p:nvPr/>
+      </p:nvGrpSpPr>
+      <p:grpSpPr>
+        <a:xfrm>
+          <a:off x="0" y="0"/>
+          <a:ext cx="0" cy="0"/>
+          <a:chOff x="0" y="0"/>
+          <a:chExt cx="0" cy="0"/>
+        </a:xfrm>
+      </p:grpSpPr>
+      <p:sp>
+        <p:nvSpPr>
+          <p:cNvPr id="3" name="标题 2"/>
+          <p:cNvSpPr>
+            <a:spLocks noGrp="1"/>
+          </p:cNvSpPr>
+          <p:nvPr>
+            <p:ph type="title"/>
+          </p:nvPr>
+        </p:nvSpPr>
+        <p:spPr>
+          <a:xfrm>
+            <a:off x="285720" y="142858"/>
+            <a:ext cx="8512118" cy="857250"/>
+          </a:xfrm>
+        </p:spPr>
+        <p:style>
+          <a:lnRef idx="1">
+            <a:schemeClr val="accent3"/>
+          </a:lnRef>
+          <a:fillRef idx="2">
+            <a:schemeClr val="accent3"/>
+          </a:fillRef>
+          <a:effectRef idx="1">
+            <a:schemeClr val="accent3"/>
+          </a:effectRef>
+          <a:fontRef idx="minor">
+            <a:schemeClr val="dk1"/>
+          </a:fontRef>
+        </p:style>
+        <p:txBody>
+          <a:bodyPr>
+            <a:normAutofit/>
+          </a:bodyPr>
+          <a:lstStyle/>
+          <a:p>
+            <a:r>
+              <a:rPr lang="en-US" sz="2000" dirty="0" smtClean="0"/>
+              <a:t>Item 19: Use std::</a:t>
+            </a:r>
+            <a:r>
+              <a:rPr lang="en-US" sz="2000" dirty="0" err="1" smtClean="0"/>
+              <a:t>shared_ptr</a:t>
+            </a:r>
+            <a:r>
+              <a:rPr lang="en-US" sz="2000" dirty="0" smtClean="0"/>
+              <a:t> for shared-ownership resource management.</a:t>
+            </a:r>
+            <a:endParaRPr lang="zh-CN" altLang="en-US" sz="2000" dirty="0"/>
+          </a:p>
+        </p:txBody>
+      </p:sp>
+      <p:pic>
+        <p:nvPicPr>
+          <p:cNvPr id="1026" name="Picture 2"/>
+          <p:cNvPicPr>
+            <a:picLocks noGrp="1" noChangeAspect="1" noChangeArrowheads="1"/>
+          </p:cNvPicPr>
+          <p:nvPr>
+            <p:ph idx="1"/>
+          </p:nvPr>
+        </p:nvPicPr>
+        <p:blipFill>
+          <a:blip r:embed="rId2"/>
+          <a:srcRect/>
+          <a:stretch>
+            <a:fillRect/>
+          </a:stretch>
+        </p:blipFill>
+        <p:spPr bwMode="auto">
+          <a:xfrm>
+            <a:off x="0" y="1000114"/>
+            <a:ext cx="6229350" cy="2505075"/>
+          </a:xfrm>
+          <a:prstGeom prst="rect">
+            <a:avLst/>
+          </a:prstGeom>
+          <a:noFill/>
+          <a:ln w="9525">
+            <a:noFill/>
+            <a:miter lim="800000"/>
+            <a:headEnd/>
+            <a:tailEnd/>
+          </a:ln>
+          <a:effectLst/>
+        </p:spPr>
+      </p:pic>
+    </p:spTree>
+  </p:cSld>
+  <p:clrMapOvr>
+    <a:masterClrMapping/>
+  </p:clrMapOvr>
+</p:sld>
+</file>
+
+<file path=ppt/slides/slide13.xml><?xml version="1.0" encoding="utf-8"?>
+<p:sld xmlns:a="http://schemas.openxmlformats.org/drawingml/2006/main" xmlns:r="http://schemas.openxmlformats.org/officeDocument/2006/relationships" xmlns:p="http://schemas.openxmlformats.org/presentationml/2006/main">
+  <p:cSld>
+    <p:spTree>
+      <p:nvGrpSpPr>
+        <p:cNvPr id="1" name=""/>
+        <p:cNvGrpSpPr/>
+        <p:nvPr/>
+      </p:nvGrpSpPr>
+      <p:grpSpPr>
+        <a:xfrm>
+          <a:off x="0" y="0"/>
+          <a:ext cx="0" cy="0"/>
+          <a:chOff x="0" y="0"/>
+          <a:chExt cx="0" cy="0"/>
+        </a:xfrm>
+      </p:grpSpPr>
+      <p:sp>
+        <p:nvSpPr>
+          <p:cNvPr id="3" name="标题 2"/>
+          <p:cNvSpPr>
+            <a:spLocks noGrp="1"/>
+          </p:cNvSpPr>
+          <p:nvPr>
+            <p:ph type="title"/>
+          </p:nvPr>
+        </p:nvSpPr>
+        <p:spPr/>
+        <p:txBody>
+          <a:bodyPr/>
+          <a:lstStyle/>
+          <a:p>
+            <a:endParaRPr lang="zh-CN" altLang="en-US"/>
+          </a:p>
+        </p:txBody>
+      </p:sp>
+      <p:pic>
+        <p:nvPicPr>
+          <p:cNvPr id="2050" name="Picture 2"/>
+          <p:cNvPicPr>
+            <a:picLocks noGrp="1" noChangeAspect="1" noChangeArrowheads="1"/>
+          </p:cNvPicPr>
+          <p:nvPr>
+            <p:ph idx="1"/>
+          </p:nvPr>
+        </p:nvPicPr>
+        <p:blipFill>
+          <a:blip r:embed="rId2"/>
+          <a:srcRect/>
+          <a:stretch>
+            <a:fillRect/>
+          </a:stretch>
+        </p:blipFill>
+        <p:spPr bwMode="auto">
+          <a:xfrm>
+            <a:off x="357158" y="1428742"/>
+            <a:ext cx="8229600" cy="1679510"/>
+          </a:xfrm>
+          <a:prstGeom prst="rect">
+            <a:avLst/>
+          </a:prstGeom>
+          <a:noFill/>
+          <a:ln w="9525">
+            <a:noFill/>
+            <a:miter lim="800000"/>
+            <a:headEnd/>
+            <a:tailEnd/>
+          </a:ln>
+          <a:effectLst/>
+        </p:spPr>
+      </p:pic>
+    </p:spTree>
+  </p:cSld>
+  <p:clrMapOvr>
+    <a:masterClrMapping/>
+  </p:clrMapOvr>
+</p:sld>
+</file>
+
+<file path=ppt/slides/slide14.xml><?xml version="1.0" encoding="utf-8"?>
 <p:sld xmlns:a="http://schemas.openxmlformats.org/drawingml/2006/main" xmlns:r="http://schemas.openxmlformats.org/officeDocument/2006/relationships" xmlns:p="http://schemas.openxmlformats.org/presentationml/2006/main">
   <p:cSld>
     <p:spTree>
@@ -5246,7 +5716,7 @@
   <a:extraClrSchemeLst/>
   <a:extLst>
     <a:ext uri="{05A4C25C-085E-4340-85A3-A5531E510DB2}">
-      <thm15:themeFamily xmlns:thm15="http://schemas.microsoft.com/office/thememl/2012/main" xmlns="" name="Office Theme" id="{62F939B6-93AF-4DB8-9C6B-D6C7DFDC589F}" vid="{4A3C46E8-61CC-4603-A589-7422A47A8E4A}"/>
+      <thm15:themeFamily xmlns="" xmlns:thm15="http://schemas.microsoft.com/office/thememl/2012/main" name="Office Theme" id="{62F939B6-93AF-4DB8-9C6B-D6C7DFDC589F}" vid="{4A3C46E8-61CC-4603-A589-7422A47A8E4A}"/>
     </a:ext>
   </a:extLst>
 </a:theme>
@@ -5507,7 +5977,7 @@
   <a:extraClrSchemeLst/>
   <a:extLst>
     <a:ext uri="{05A4C25C-085E-4340-85A3-A5531E510DB2}">
-      <thm15:themeFamily xmlns:thm15="http://schemas.microsoft.com/office/thememl/2012/main" xmlns="" name="Office Theme" id="{62F939B6-93AF-4DB8-9C6B-D6C7DFDC589F}" vid="{4A3C46E8-61CC-4603-A589-7422A47A8E4A}"/>
+      <thm15:themeFamily xmlns="" xmlns:thm15="http://schemas.microsoft.com/office/thememl/2012/main" name="Office Theme" id="{62F939B6-93AF-4DB8-9C6B-D6C7DFDC589F}" vid="{4A3C46E8-61CC-4603-A589-7422A47A8E4A}"/>
     </a:ext>
   </a:extLst>
 </a:theme>
